--- a/Data Catalog.pptx
+++ b/Data Catalog.pptx
@@ -204,7 +204,7 @@
           <a:p>
             <a:fld id="{9646C551-C7D7-4E91-B761-0BAC2610D103}" type="datetimeFigureOut">
               <a:rPr lang="zh-TW" altLang="en-US" smtClean="0"/>
-              <a:t>2021/4/11</a:t>
+              <a:t>2021/4/12</a:t>
             </a:fld>
             <a:endParaRPr lang="zh-TW" altLang="en-US"/>
           </a:p>
@@ -791,7 +791,7 @@
           <a:p>
             <a:fld id="{28481E7A-F2DB-4842-B59B-82BBA2AA41EE}" type="datetimeFigureOut">
               <a:rPr lang="zh-TW" altLang="en-US" smtClean="0"/>
-              <a:t>2021/4/11</a:t>
+              <a:t>2021/4/12</a:t>
             </a:fld>
             <a:endParaRPr lang="zh-TW" altLang="en-US"/>
           </a:p>
@@ -961,7 +961,7 @@
           <a:p>
             <a:fld id="{28481E7A-F2DB-4842-B59B-82BBA2AA41EE}" type="datetimeFigureOut">
               <a:rPr lang="zh-TW" altLang="en-US" smtClean="0"/>
-              <a:t>2021/4/11</a:t>
+              <a:t>2021/4/12</a:t>
             </a:fld>
             <a:endParaRPr lang="zh-TW" altLang="en-US"/>
           </a:p>
@@ -1141,7 +1141,7 @@
           <a:p>
             <a:fld id="{28481E7A-F2DB-4842-B59B-82BBA2AA41EE}" type="datetimeFigureOut">
               <a:rPr lang="zh-TW" altLang="en-US" smtClean="0"/>
-              <a:t>2021/4/11</a:t>
+              <a:t>2021/4/12</a:t>
             </a:fld>
             <a:endParaRPr lang="zh-TW" altLang="en-US"/>
           </a:p>
@@ -1311,7 +1311,7 @@
           <a:p>
             <a:fld id="{28481E7A-F2DB-4842-B59B-82BBA2AA41EE}" type="datetimeFigureOut">
               <a:rPr lang="zh-TW" altLang="en-US" smtClean="0"/>
-              <a:t>2021/4/11</a:t>
+              <a:t>2021/4/12</a:t>
             </a:fld>
             <a:endParaRPr lang="zh-TW" altLang="en-US"/>
           </a:p>
@@ -1557,7 +1557,7 @@
           <a:p>
             <a:fld id="{28481E7A-F2DB-4842-B59B-82BBA2AA41EE}" type="datetimeFigureOut">
               <a:rPr lang="zh-TW" altLang="en-US" smtClean="0"/>
-              <a:t>2021/4/11</a:t>
+              <a:t>2021/4/12</a:t>
             </a:fld>
             <a:endParaRPr lang="zh-TW" altLang="en-US"/>
           </a:p>
@@ -1789,7 +1789,7 @@
           <a:p>
             <a:fld id="{28481E7A-F2DB-4842-B59B-82BBA2AA41EE}" type="datetimeFigureOut">
               <a:rPr lang="zh-TW" altLang="en-US" smtClean="0"/>
-              <a:t>2021/4/11</a:t>
+              <a:t>2021/4/12</a:t>
             </a:fld>
             <a:endParaRPr lang="zh-TW" altLang="en-US"/>
           </a:p>
@@ -2156,7 +2156,7 @@
           <a:p>
             <a:fld id="{28481E7A-F2DB-4842-B59B-82BBA2AA41EE}" type="datetimeFigureOut">
               <a:rPr lang="zh-TW" altLang="en-US" smtClean="0"/>
-              <a:t>2021/4/11</a:t>
+              <a:t>2021/4/12</a:t>
             </a:fld>
             <a:endParaRPr lang="zh-TW" altLang="en-US"/>
           </a:p>
@@ -2274,7 +2274,7 @@
           <a:p>
             <a:fld id="{28481E7A-F2DB-4842-B59B-82BBA2AA41EE}" type="datetimeFigureOut">
               <a:rPr lang="zh-TW" altLang="en-US" smtClean="0"/>
-              <a:t>2021/4/11</a:t>
+              <a:t>2021/4/12</a:t>
             </a:fld>
             <a:endParaRPr lang="zh-TW" altLang="en-US"/>
           </a:p>
@@ -2369,7 +2369,7 @@
           <a:p>
             <a:fld id="{28481E7A-F2DB-4842-B59B-82BBA2AA41EE}" type="datetimeFigureOut">
               <a:rPr lang="zh-TW" altLang="en-US" smtClean="0"/>
-              <a:t>2021/4/11</a:t>
+              <a:t>2021/4/12</a:t>
             </a:fld>
             <a:endParaRPr lang="zh-TW" altLang="en-US"/>
           </a:p>
@@ -2646,7 +2646,7 @@
           <a:p>
             <a:fld id="{28481E7A-F2DB-4842-B59B-82BBA2AA41EE}" type="datetimeFigureOut">
               <a:rPr lang="zh-TW" altLang="en-US" smtClean="0"/>
-              <a:t>2021/4/11</a:t>
+              <a:t>2021/4/12</a:t>
             </a:fld>
             <a:endParaRPr lang="zh-TW" altLang="en-US"/>
           </a:p>
@@ -2899,7 +2899,7 @@
           <a:p>
             <a:fld id="{28481E7A-F2DB-4842-B59B-82BBA2AA41EE}" type="datetimeFigureOut">
               <a:rPr lang="zh-TW" altLang="en-US" smtClean="0"/>
-              <a:t>2021/4/11</a:t>
+              <a:t>2021/4/12</a:t>
             </a:fld>
             <a:endParaRPr lang="zh-TW" altLang="en-US"/>
           </a:p>
@@ -3112,7 +3112,7 @@
           <a:p>
             <a:fld id="{28481E7A-F2DB-4842-B59B-82BBA2AA41EE}" type="datetimeFigureOut">
               <a:rPr lang="zh-TW" altLang="en-US" smtClean="0"/>
-              <a:t>2021/4/11</a:t>
+              <a:t>2021/4/12</a:t>
             </a:fld>
             <a:endParaRPr lang="zh-TW" altLang="en-US"/>
           </a:p>
@@ -3578,6 +3578,13 @@
   <p:clrMapOvr>
     <a:masterClrMapping/>
   </p:clrMapOvr>
+  <p:timing>
+    <p:tnLst>
+      <p:par>
+        <p:cTn id="1" dur="indefinite" restart="never" nodeType="tmRoot"/>
+      </p:par>
+    </p:tnLst>
+  </p:timing>
 </p:sld>
 </file>
 
@@ -3650,6 +3657,13 @@
   <p:clrMapOvr>
     <a:masterClrMapping/>
   </p:clrMapOvr>
+  <p:timing>
+    <p:tnLst>
+      <p:par>
+        <p:cTn id="1" dur="indefinite" restart="never" nodeType="tmRoot"/>
+      </p:par>
+    </p:tnLst>
+  </p:timing>
 </p:sld>
 </file>
 
@@ -4253,6 +4267,13 @@
   <p:clrMapOvr>
     <a:masterClrMapping/>
   </p:clrMapOvr>
+  <p:timing>
+    <p:tnLst>
+      <p:par>
+        <p:cTn id="1" dur="indefinite" restart="never" nodeType="tmRoot"/>
+      </p:par>
+    </p:tnLst>
+  </p:timing>
 </p:sld>
 </file>
 
@@ -4325,6 +4346,13 @@
   <p:clrMapOvr>
     <a:masterClrMapping/>
   </p:clrMapOvr>
+  <p:timing>
+    <p:tnLst>
+      <p:par>
+        <p:cTn id="1" dur="indefinite" restart="never" nodeType="tmRoot"/>
+      </p:par>
+    </p:tnLst>
+  </p:timing>
 </p:sld>
 </file>
 
@@ -4792,6 +4820,13 @@
   <p:clrMapOvr>
     <a:masterClrMapping/>
   </p:clrMapOvr>
+  <p:timing>
+    <p:tnLst>
+      <p:par>
+        <p:cTn id="1" dur="indefinite" restart="never" nodeType="tmRoot"/>
+      </p:par>
+    </p:tnLst>
+  </p:timing>
 </p:sld>
 </file>
 
@@ -5033,6 +5068,13 @@
   <p:clrMapOvr>
     <a:masterClrMapping/>
   </p:clrMapOvr>
+  <p:timing>
+    <p:tnLst>
+      <p:par>
+        <p:cTn id="1" dur="indefinite" restart="never" nodeType="tmRoot"/>
+      </p:par>
+    </p:tnLst>
+  </p:timing>
 </p:sld>
 </file>
 
@@ -5105,6 +5147,13 @@
   <p:clrMapOvr>
     <a:masterClrMapping/>
   </p:clrMapOvr>
+  <p:timing>
+    <p:tnLst>
+      <p:par>
+        <p:cTn id="1" dur="indefinite" restart="never" nodeType="tmRoot"/>
+      </p:par>
+    </p:tnLst>
+  </p:timing>
 </p:sld>
 </file>
 
@@ -5125,6 +5174,607 @@
           <a:chExt cx="0" cy="0"/>
         </a:xfrm>
       </p:grpSpPr>
+      <p:sp>
+        <p:nvSpPr>
+          <p:cNvPr id="2" name="圓角矩形 1"/>
+          <p:cNvSpPr/>
+          <p:nvPr/>
+        </p:nvSpPr>
+        <p:spPr>
+          <a:xfrm>
+            <a:off x="5129348" y="2865121"/>
+            <a:ext cx="1976846" cy="696686"/>
+          </a:xfrm>
+          <a:prstGeom prst="roundRect">
+            <a:avLst/>
+          </a:prstGeom>
+        </p:spPr>
+        <p:style>
+          <a:lnRef idx="2">
+            <a:schemeClr val="accent1">
+              <a:shade val="50000"/>
+            </a:schemeClr>
+          </a:lnRef>
+          <a:fillRef idx="1">
+            <a:schemeClr val="accent1"/>
+          </a:fillRef>
+          <a:effectRef idx="0">
+            <a:schemeClr val="accent1"/>
+          </a:effectRef>
+          <a:fontRef idx="minor">
+            <a:schemeClr val="lt1"/>
+          </a:fontRef>
+        </p:style>
+        <p:txBody>
+          <a:bodyPr rtlCol="0" anchor="ctr"/>
+          <a:lstStyle/>
+          <a:p>
+            <a:pPr algn="ctr"/>
+            <a:r>
+              <a:rPr lang="en-US" altLang="zh-TW" dirty="0" smtClean="0"/>
+              <a:t>SDM</a:t>
+            </a:r>
+            <a:r>
+              <a:rPr lang="zh-TW" altLang="en-US" dirty="0" smtClean="0"/>
+              <a:t> </a:t>
+            </a:r>
+            <a:r>
+              <a:rPr lang="en-US" altLang="zh-TW" dirty="0" smtClean="0"/>
+              <a:t>Portal</a:t>
+            </a:r>
+            <a:endParaRPr lang="zh-TW" altLang="en-US" dirty="0"/>
+          </a:p>
+        </p:txBody>
+      </p:sp>
+      <p:sp>
+        <p:nvSpPr>
+          <p:cNvPr id="3" name="圓角矩形 2"/>
+          <p:cNvSpPr/>
+          <p:nvPr/>
+        </p:nvSpPr>
+        <p:spPr>
+          <a:xfrm>
+            <a:off x="2364376" y="988424"/>
+            <a:ext cx="1976846" cy="696686"/>
+          </a:xfrm>
+          <a:prstGeom prst="roundRect">
+            <a:avLst/>
+          </a:prstGeom>
+        </p:spPr>
+        <p:style>
+          <a:lnRef idx="2">
+            <a:schemeClr val="accent2">
+              <a:shade val="50000"/>
+            </a:schemeClr>
+          </a:lnRef>
+          <a:fillRef idx="1">
+            <a:schemeClr val="accent2"/>
+          </a:fillRef>
+          <a:effectRef idx="0">
+            <a:schemeClr val="accent2"/>
+          </a:effectRef>
+          <a:fontRef idx="minor">
+            <a:schemeClr val="lt1"/>
+          </a:fontRef>
+        </p:style>
+        <p:txBody>
+          <a:bodyPr rtlCol="0" anchor="ctr"/>
+          <a:lstStyle/>
+          <a:p>
+            <a:pPr algn="ctr"/>
+            <a:r>
+              <a:rPr lang="en-US" altLang="zh-TW" dirty="0" smtClean="0"/>
+              <a:t>Ingestion</a:t>
+            </a:r>
+            <a:endParaRPr lang="zh-TW" altLang="en-US" dirty="0"/>
+          </a:p>
+        </p:txBody>
+      </p:sp>
+      <p:sp>
+        <p:nvSpPr>
+          <p:cNvPr id="4" name="圓角矩形 3"/>
+          <p:cNvSpPr/>
+          <p:nvPr/>
+        </p:nvSpPr>
+        <p:spPr>
+          <a:xfrm>
+            <a:off x="7963989" y="988424"/>
+            <a:ext cx="1976846" cy="696686"/>
+          </a:xfrm>
+          <a:prstGeom prst="roundRect">
+            <a:avLst/>
+          </a:prstGeom>
+        </p:spPr>
+        <p:style>
+          <a:lnRef idx="2">
+            <a:schemeClr val="accent4">
+              <a:shade val="50000"/>
+            </a:schemeClr>
+          </a:lnRef>
+          <a:fillRef idx="1">
+            <a:schemeClr val="accent4"/>
+          </a:fillRef>
+          <a:effectRef idx="0">
+            <a:schemeClr val="accent4"/>
+          </a:effectRef>
+          <a:fontRef idx="minor">
+            <a:schemeClr val="lt1"/>
+          </a:fontRef>
+        </p:style>
+        <p:txBody>
+          <a:bodyPr rtlCol="0" anchor="ctr"/>
+          <a:lstStyle/>
+          <a:p>
+            <a:pPr algn="ctr"/>
+            <a:r>
+              <a:rPr lang="en-US" altLang="zh-TW" dirty="0"/>
+              <a:t>Searching</a:t>
+            </a:r>
+            <a:endParaRPr lang="zh-TW" altLang="en-US" dirty="0"/>
+          </a:p>
+        </p:txBody>
+      </p:sp>
+      <p:sp>
+        <p:nvSpPr>
+          <p:cNvPr id="5" name="圓角矩形 4"/>
+          <p:cNvSpPr/>
+          <p:nvPr/>
+        </p:nvSpPr>
+        <p:spPr>
+          <a:xfrm>
+            <a:off x="2364376" y="4158344"/>
+            <a:ext cx="1976846" cy="696686"/>
+          </a:xfrm>
+          <a:prstGeom prst="roundRect">
+            <a:avLst/>
+          </a:prstGeom>
+        </p:spPr>
+        <p:style>
+          <a:lnRef idx="2">
+            <a:schemeClr val="accent3">
+              <a:shade val="50000"/>
+            </a:schemeClr>
+          </a:lnRef>
+          <a:fillRef idx="1">
+            <a:schemeClr val="accent3"/>
+          </a:fillRef>
+          <a:effectRef idx="0">
+            <a:schemeClr val="accent3"/>
+          </a:effectRef>
+          <a:fontRef idx="minor">
+            <a:schemeClr val="lt1"/>
+          </a:fontRef>
+        </p:style>
+        <p:txBody>
+          <a:bodyPr rtlCol="0" anchor="ctr"/>
+          <a:lstStyle/>
+          <a:p>
+            <a:pPr algn="ctr"/>
+            <a:r>
+              <a:rPr lang="en-US" altLang="zh-TW" dirty="0" smtClean="0"/>
+              <a:t>Security</a:t>
+            </a:r>
+            <a:endParaRPr lang="zh-TW" altLang="en-US" dirty="0"/>
+          </a:p>
+        </p:txBody>
+      </p:sp>
+      <p:sp>
+        <p:nvSpPr>
+          <p:cNvPr id="6" name="圓角矩形 5"/>
+          <p:cNvSpPr/>
+          <p:nvPr/>
+        </p:nvSpPr>
+        <p:spPr>
+          <a:xfrm>
+            <a:off x="7963989" y="4158344"/>
+            <a:ext cx="1976846" cy="696686"/>
+          </a:xfrm>
+          <a:prstGeom prst="roundRect">
+            <a:avLst/>
+          </a:prstGeom>
+        </p:spPr>
+        <p:style>
+          <a:lnRef idx="2">
+            <a:schemeClr val="accent6">
+              <a:shade val="50000"/>
+            </a:schemeClr>
+          </a:lnRef>
+          <a:fillRef idx="1">
+            <a:schemeClr val="accent6"/>
+          </a:fillRef>
+          <a:effectRef idx="0">
+            <a:schemeClr val="accent6"/>
+          </a:effectRef>
+          <a:fontRef idx="minor">
+            <a:schemeClr val="lt1"/>
+          </a:fontRef>
+        </p:style>
+        <p:txBody>
+          <a:bodyPr rtlCol="0" anchor="ctr"/>
+          <a:lstStyle/>
+          <a:p>
+            <a:pPr algn="ctr"/>
+            <a:r>
+              <a:rPr lang="en-US" altLang="zh-TW" dirty="0" smtClean="0"/>
+              <a:t>Visualization</a:t>
+            </a:r>
+            <a:endParaRPr lang="zh-TW" altLang="en-US" dirty="0"/>
+          </a:p>
+        </p:txBody>
+      </p:sp>
+      <p:cxnSp>
+        <p:nvCxnSpPr>
+          <p:cNvPr id="8" name="肘形接點 7"/>
+          <p:cNvCxnSpPr>
+            <a:stCxn id="3" idx="3"/>
+            <a:endCxn id="2" idx="1"/>
+          </p:cNvCxnSpPr>
+          <p:nvPr/>
+        </p:nvCxnSpPr>
+        <p:spPr>
+          <a:xfrm>
+            <a:off x="4341222" y="1336767"/>
+            <a:ext cx="788126" cy="1876697"/>
+          </a:xfrm>
+          <a:prstGeom prst="bentConnector3">
+            <a:avLst/>
+          </a:prstGeom>
+          <a:ln w="28575"/>
+        </p:spPr>
+        <p:style>
+          <a:lnRef idx="1">
+            <a:schemeClr val="dk1"/>
+          </a:lnRef>
+          <a:fillRef idx="0">
+            <a:schemeClr val="dk1"/>
+          </a:fillRef>
+          <a:effectRef idx="0">
+            <a:schemeClr val="dk1"/>
+          </a:effectRef>
+          <a:fontRef idx="minor">
+            <a:schemeClr val="tx1"/>
+          </a:fontRef>
+        </p:style>
+      </p:cxnSp>
+      <p:cxnSp>
+        <p:nvCxnSpPr>
+          <p:cNvPr id="9" name="肘形接點 8"/>
+          <p:cNvCxnSpPr>
+            <a:stCxn id="5" idx="3"/>
+            <a:endCxn id="2" idx="1"/>
+          </p:cNvCxnSpPr>
+          <p:nvPr/>
+        </p:nvCxnSpPr>
+        <p:spPr>
+          <a:xfrm flipV="1">
+            <a:off x="4341222" y="3213464"/>
+            <a:ext cx="788126" cy="1293223"/>
+          </a:xfrm>
+          <a:prstGeom prst="bentConnector3">
+            <a:avLst>
+              <a:gd name="adj1" fmla="val 50000"/>
+            </a:avLst>
+          </a:prstGeom>
+          <a:ln w="28575"/>
+        </p:spPr>
+        <p:style>
+          <a:lnRef idx="1">
+            <a:schemeClr val="dk1"/>
+          </a:lnRef>
+          <a:fillRef idx="0">
+            <a:schemeClr val="dk1"/>
+          </a:fillRef>
+          <a:effectRef idx="0">
+            <a:schemeClr val="dk1"/>
+          </a:effectRef>
+          <a:fontRef idx="minor">
+            <a:schemeClr val="tx1"/>
+          </a:fontRef>
+        </p:style>
+      </p:cxnSp>
+      <p:cxnSp>
+        <p:nvCxnSpPr>
+          <p:cNvPr id="12" name="肘形接點 11"/>
+          <p:cNvCxnSpPr>
+            <a:stCxn id="4" idx="1"/>
+            <a:endCxn id="2" idx="3"/>
+          </p:cNvCxnSpPr>
+          <p:nvPr/>
+        </p:nvCxnSpPr>
+        <p:spPr>
+          <a:xfrm rot="10800000" flipV="1">
+            <a:off x="7106195" y="1336766"/>
+            <a:ext cx="857795" cy="1876697"/>
+          </a:xfrm>
+          <a:prstGeom prst="bentConnector3">
+            <a:avLst/>
+          </a:prstGeom>
+          <a:ln w="28575"/>
+        </p:spPr>
+        <p:style>
+          <a:lnRef idx="1">
+            <a:schemeClr val="dk1"/>
+          </a:lnRef>
+          <a:fillRef idx="0">
+            <a:schemeClr val="dk1"/>
+          </a:fillRef>
+          <a:effectRef idx="0">
+            <a:schemeClr val="dk1"/>
+          </a:effectRef>
+          <a:fontRef idx="minor">
+            <a:schemeClr val="tx1"/>
+          </a:fontRef>
+        </p:style>
+      </p:cxnSp>
+      <p:cxnSp>
+        <p:nvCxnSpPr>
+          <p:cNvPr id="15" name="肘形接點 14"/>
+          <p:cNvCxnSpPr>
+            <a:stCxn id="6" idx="1"/>
+            <a:endCxn id="2" idx="3"/>
+          </p:cNvCxnSpPr>
+          <p:nvPr/>
+        </p:nvCxnSpPr>
+        <p:spPr>
+          <a:xfrm rot="10800000">
+            <a:off x="7106195" y="3213465"/>
+            <a:ext cx="857795" cy="1293223"/>
+          </a:xfrm>
+          <a:prstGeom prst="bentConnector3">
+            <a:avLst>
+              <a:gd name="adj1" fmla="val 50000"/>
+            </a:avLst>
+          </a:prstGeom>
+          <a:ln w="28575"/>
+        </p:spPr>
+        <p:style>
+          <a:lnRef idx="1">
+            <a:schemeClr val="dk1"/>
+          </a:lnRef>
+          <a:fillRef idx="0">
+            <a:schemeClr val="dk1"/>
+          </a:fillRef>
+          <a:effectRef idx="0">
+            <a:schemeClr val="dk1"/>
+          </a:effectRef>
+          <a:fontRef idx="minor">
+            <a:schemeClr val="tx1"/>
+          </a:fontRef>
+        </p:style>
+      </p:cxnSp>
+      <p:sp>
+        <p:nvSpPr>
+          <p:cNvPr id="20" name="文字方塊 19"/>
+          <p:cNvSpPr txBox="1"/>
+          <p:nvPr/>
+        </p:nvSpPr>
+        <p:spPr>
+          <a:xfrm>
+            <a:off x="2364376" y="1813449"/>
+            <a:ext cx="1976846" cy="923330"/>
+          </a:xfrm>
+          <a:prstGeom prst="rect">
+            <a:avLst/>
+          </a:prstGeom>
+          <a:noFill/>
+          <a:ln>
+            <a:solidFill>
+              <a:schemeClr val="bg1">
+                <a:lumMod val="65000"/>
+              </a:schemeClr>
+            </a:solidFill>
+          </a:ln>
+        </p:spPr>
+        <p:txBody>
+          <a:bodyPr wrap="square" rtlCol="0">
+            <a:spAutoFit/>
+          </a:bodyPr>
+          <a:lstStyle/>
+          <a:p>
+            <a:pPr marL="285750" indent="-285750">
+              <a:buFont typeface="Arial" panose="020B0604020202020204" pitchFamily="34" charset="0"/>
+              <a:buChar char="•"/>
+            </a:pPr>
+            <a:r>
+              <a:rPr lang="en-US" altLang="zh-TW" dirty="0" smtClean="0"/>
+              <a:t>RDB</a:t>
+            </a:r>
+          </a:p>
+          <a:p>
+            <a:pPr marL="285750" indent="-285750">
+              <a:buFont typeface="Arial" panose="020B0604020202020204" pitchFamily="34" charset="0"/>
+              <a:buChar char="•"/>
+            </a:pPr>
+            <a:r>
+              <a:rPr lang="en-US" altLang="zh-TW" dirty="0" err="1" smtClean="0"/>
+              <a:t>Hbase</a:t>
+            </a:r>
+            <a:endParaRPr lang="en-US" altLang="zh-TW" dirty="0" smtClean="0"/>
+          </a:p>
+          <a:p>
+            <a:pPr marL="285750" indent="-285750">
+              <a:buFont typeface="Arial" panose="020B0604020202020204" pitchFamily="34" charset="0"/>
+              <a:buChar char="•"/>
+            </a:pPr>
+            <a:r>
+              <a:rPr lang="en-US" altLang="zh-TW" dirty="0" smtClean="0"/>
+              <a:t>Cassandra</a:t>
+            </a:r>
+            <a:endParaRPr lang="zh-TW" altLang="en-US" dirty="0"/>
+          </a:p>
+        </p:txBody>
+      </p:sp>
+      <p:sp>
+        <p:nvSpPr>
+          <p:cNvPr id="21" name="文字方塊 20"/>
+          <p:cNvSpPr txBox="1"/>
+          <p:nvPr/>
+        </p:nvSpPr>
+        <p:spPr>
+          <a:xfrm>
+            <a:off x="7963989" y="1813448"/>
+            <a:ext cx="1976846" cy="923330"/>
+          </a:xfrm>
+          <a:prstGeom prst="rect">
+            <a:avLst/>
+          </a:prstGeom>
+          <a:noFill/>
+          <a:ln>
+            <a:solidFill>
+              <a:schemeClr val="bg1">
+                <a:lumMod val="65000"/>
+              </a:schemeClr>
+            </a:solidFill>
+          </a:ln>
+        </p:spPr>
+        <p:txBody>
+          <a:bodyPr wrap="square" rtlCol="0">
+            <a:spAutoFit/>
+          </a:bodyPr>
+          <a:lstStyle/>
+          <a:p>
+            <a:pPr marL="285750" indent="-285750">
+              <a:buFont typeface="Arial" panose="020B0604020202020204" pitchFamily="34" charset="0"/>
+              <a:buChar char="•"/>
+            </a:pPr>
+            <a:r>
+              <a:rPr lang="en-US" altLang="zh-TW" dirty="0" smtClean="0"/>
+              <a:t>Data Owner</a:t>
+            </a:r>
+          </a:p>
+          <a:p>
+            <a:pPr marL="285750" indent="-285750">
+              <a:buFont typeface="Arial" panose="020B0604020202020204" pitchFamily="34" charset="0"/>
+              <a:buChar char="•"/>
+            </a:pPr>
+            <a:r>
+              <a:rPr lang="en-US" altLang="zh-TW" dirty="0" smtClean="0"/>
+              <a:t>Data Quality</a:t>
+            </a:r>
+          </a:p>
+          <a:p>
+            <a:pPr marL="285750" indent="-285750">
+              <a:buFont typeface="Arial" panose="020B0604020202020204" pitchFamily="34" charset="0"/>
+              <a:buChar char="•"/>
+            </a:pPr>
+            <a:r>
+              <a:rPr lang="en-US" altLang="zh-TW" dirty="0" smtClean="0"/>
+              <a:t>DAO API</a:t>
+            </a:r>
+            <a:endParaRPr lang="zh-TW" altLang="en-US" dirty="0"/>
+          </a:p>
+        </p:txBody>
+      </p:sp>
+      <p:sp>
+        <p:nvSpPr>
+          <p:cNvPr id="22" name="文字方塊 21"/>
+          <p:cNvSpPr txBox="1"/>
+          <p:nvPr/>
+        </p:nvSpPr>
+        <p:spPr>
+          <a:xfrm>
+            <a:off x="2364376" y="4983372"/>
+            <a:ext cx="1976846" cy="646331"/>
+          </a:xfrm>
+          <a:prstGeom prst="rect">
+            <a:avLst/>
+          </a:prstGeom>
+          <a:noFill/>
+          <a:ln>
+            <a:solidFill>
+              <a:schemeClr val="bg1">
+                <a:lumMod val="65000"/>
+              </a:schemeClr>
+            </a:solidFill>
+          </a:ln>
+        </p:spPr>
+        <p:txBody>
+          <a:bodyPr wrap="square" rtlCol="0">
+            <a:spAutoFit/>
+          </a:bodyPr>
+          <a:lstStyle/>
+          <a:p>
+            <a:pPr marL="285750" indent="-285750">
+              <a:buFont typeface="Arial" panose="020B0604020202020204" pitchFamily="34" charset="0"/>
+              <a:buChar char="•"/>
+            </a:pPr>
+            <a:r>
+              <a:rPr lang="en-US" altLang="zh-TW" dirty="0" smtClean="0"/>
+              <a:t>A&amp;A</a:t>
+            </a:r>
+          </a:p>
+          <a:p>
+            <a:pPr marL="285750" indent="-285750">
+              <a:buFont typeface="Arial" panose="020B0604020202020204" pitchFamily="34" charset="0"/>
+              <a:buChar char="•"/>
+            </a:pPr>
+            <a:r>
+              <a:rPr lang="en-US" altLang="zh-TW" dirty="0" smtClean="0"/>
+              <a:t>Invalid IP</a:t>
+            </a:r>
+            <a:endParaRPr lang="zh-TW" altLang="en-US" dirty="0"/>
+          </a:p>
+        </p:txBody>
+      </p:sp>
+      <p:sp>
+        <p:nvSpPr>
+          <p:cNvPr id="23" name="文字方塊 22"/>
+          <p:cNvSpPr txBox="1"/>
+          <p:nvPr/>
+        </p:nvSpPr>
+        <p:spPr>
+          <a:xfrm>
+            <a:off x="7963989" y="4983372"/>
+            <a:ext cx="1976846" cy="646331"/>
+          </a:xfrm>
+          <a:prstGeom prst="rect">
+            <a:avLst/>
+          </a:prstGeom>
+          <a:noFill/>
+          <a:ln>
+            <a:solidFill>
+              <a:schemeClr val="bg1">
+                <a:lumMod val="65000"/>
+              </a:schemeClr>
+            </a:solidFill>
+          </a:ln>
+        </p:spPr>
+        <p:txBody>
+          <a:bodyPr wrap="square" rtlCol="0">
+            <a:spAutoFit/>
+          </a:bodyPr>
+          <a:lstStyle/>
+          <a:p>
+            <a:pPr marL="285750" indent="-285750">
+              <a:buFont typeface="Arial" panose="020B0604020202020204" pitchFamily="34" charset="0"/>
+              <a:buChar char="•"/>
+            </a:pPr>
+            <a:r>
+              <a:rPr lang="en-US" altLang="zh-TW" dirty="0" smtClean="0"/>
+              <a:t>Data Flow</a:t>
+            </a:r>
+          </a:p>
+          <a:p>
+            <a:pPr marL="285750" indent="-285750">
+              <a:buFont typeface="Arial" panose="020B0604020202020204" pitchFamily="34" charset="0"/>
+              <a:buChar char="•"/>
+            </a:pPr>
+            <a:r>
+              <a:rPr lang="en-US" altLang="zh-TW" dirty="0" smtClean="0"/>
+              <a:t>DAO </a:t>
+            </a:r>
+            <a:r>
+              <a:rPr lang="en-US" altLang="zh-TW" dirty="0"/>
+              <a:t>U</a:t>
+            </a:r>
+            <a:r>
+              <a:rPr lang="en-US" altLang="zh-TW" dirty="0" smtClean="0"/>
+              <a:t>sage</a:t>
+            </a:r>
+            <a:endParaRPr lang="zh-TW" altLang="en-US" dirty="0"/>
+          </a:p>
+        </p:txBody>
+      </p:sp>
     </p:spTree>
     <p:extLst>
       <p:ext uri="{BB962C8B-B14F-4D97-AF65-F5344CB8AC3E}">
@@ -5135,6 +5785,13 @@
   <p:clrMapOvr>
     <a:masterClrMapping/>
   </p:clrMapOvr>
+  <p:timing>
+    <p:tnLst>
+      <p:par>
+        <p:cTn id="1" dur="indefinite" restart="never" nodeType="tmRoot"/>
+      </p:par>
+    </p:tnLst>
+  </p:timing>
 </p:sld>
 </file>
 
